--- a/Session-based authentication.pptx
+++ b/Session-based authentication.pptx
@@ -521,7 +521,7 @@
           <a:p>
             <a:fld id="{1160EA64-D806-43AC-9DF2-F8C432F32B4C}" type="datetimeFigureOut">
               <a:rPr lang="en-US" dirty="0"/>
-              <a:t>10/31/2019</a:t>
+              <a:t>11/1/2019</a:t>
             </a:fld>
             <a:endParaRPr lang="en-US" dirty="0"/>
           </a:p>
@@ -687,7 +687,7 @@
           <a:p>
             <a:fld id="{E9F9C37B-1D36-470B-8223-D6C91242EC14}" type="datetimeFigureOut">
               <a:rPr lang="en-US" dirty="0"/>
-              <a:t>10/31/2019</a:t>
+              <a:t>11/1/2019</a:t>
             </a:fld>
             <a:endParaRPr lang="en-US" dirty="0"/>
           </a:p>
@@ -862,7 +862,7 @@
           <a:p>
             <a:fld id="{67C6F52A-A82B-47A2-A83A-8C4C91F2D59F}" type="datetimeFigureOut">
               <a:rPr lang="en-US" dirty="0"/>
-              <a:t>10/31/2019</a:t>
+              <a:t>11/1/2019</a:t>
             </a:fld>
             <a:endParaRPr lang="en-US" dirty="0"/>
           </a:p>
@@ -1027,7 +1027,7 @@
           <a:p>
             <a:fld id="{F070A7B3-6521-4DCA-87E5-044747A908C1}" type="datetimeFigureOut">
               <a:rPr lang="en-US" dirty="0"/>
-              <a:t>10/31/2019</a:t>
+              <a:t>11/1/2019</a:t>
             </a:fld>
             <a:endParaRPr lang="en-US" dirty="0"/>
           </a:p>
@@ -1291,7 +1291,7 @@
           <a:p>
             <a:fld id="{1160EA64-D806-43AC-9DF2-F8C432F32B4C}" type="datetimeFigureOut">
               <a:rPr lang="en-US" dirty="0"/>
-              <a:t>10/31/2019</a:t>
+              <a:t>11/1/2019</a:t>
             </a:fld>
             <a:endParaRPr lang="en-US" dirty="0"/>
           </a:p>
@@ -1519,7 +1519,7 @@
           <a:p>
             <a:fld id="{AB134690-1557-4C89-A502-4959FE7FAD70}" type="datetimeFigureOut">
               <a:rPr lang="en-US" dirty="0"/>
-              <a:t>10/31/2019</a:t>
+              <a:t>11/1/2019</a:t>
             </a:fld>
             <a:endParaRPr lang="en-US" dirty="0"/>
           </a:p>
@@ -1869,7 +1869,7 @@
           <a:p>
             <a:fld id="{4F7D4976-E339-4826-83B7-FBD03F55ECF8}" type="datetimeFigureOut">
               <a:rPr lang="en-US" dirty="0"/>
-              <a:t>10/31/2019</a:t>
+              <a:t>11/1/2019</a:t>
             </a:fld>
             <a:endParaRPr lang="en-US" dirty="0"/>
           </a:p>
@@ -2005,7 +2005,7 @@
           <a:p>
             <a:fld id="{E1037C31-9E7A-4F99-8774-A0E530DE1A42}" type="datetimeFigureOut">
               <a:rPr lang="en-US" dirty="0"/>
-              <a:t>10/31/2019</a:t>
+              <a:t>11/1/2019</a:t>
             </a:fld>
             <a:endParaRPr lang="en-US" dirty="0"/>
           </a:p>
@@ -2095,7 +2095,7 @@
           <a:p>
             <a:fld id="{C278504F-A551-4DE0-9316-4DCD1D8CC752}" type="datetimeFigureOut">
               <a:rPr lang="en-US" dirty="0"/>
-              <a:t>10/31/2019</a:t>
+              <a:t>11/1/2019</a:t>
             </a:fld>
             <a:endParaRPr lang="en-US" dirty="0"/>
           </a:p>
@@ -2452,7 +2452,7 @@
           <a:p>
             <a:fld id="{D1BE4249-C0D0-4B06-8692-E8BB871AF643}" type="datetimeFigureOut">
               <a:rPr lang="en-US" dirty="0"/>
-              <a:t>10/31/2019</a:t>
+              <a:t>11/1/2019</a:t>
             </a:fld>
             <a:endParaRPr lang="en-US" dirty="0"/>
           </a:p>
@@ -2809,7 +2809,7 @@
           <a:p>
             <a:fld id="{042B0DB6-F5C7-45FB-8CF3-31B45F9C2DAC}" type="datetimeFigureOut">
               <a:rPr lang="en-US" dirty="0"/>
-              <a:t>10/31/2019</a:t>
+              <a:t>11/1/2019</a:t>
             </a:fld>
             <a:endParaRPr lang="en-US" dirty="0"/>
           </a:p>
@@ -3048,7 +3048,7 @@
           <a:p>
             <a:fld id="{1160EA64-D806-43AC-9DF2-F8C432F32B4C}" type="datetimeFigureOut">
               <a:rPr lang="en-US" dirty="0"/>
-              <a:t>10/31/2019</a:t>
+              <a:t>11/1/2019</a:t>
             </a:fld>
             <a:endParaRPr lang="en-US" dirty="0"/>
           </a:p>
@@ -3562,6 +3562,12 @@
               <a:t>, and connect-mongo</a:t>
             </a:r>
           </a:p>
+          <a:p>
+            <a:r>
+              <a:rPr lang="en-US" dirty="0"/>
+              <a:t>GitHub-repo: http://bit.do/cen3031-auth-repo</a:t>
+            </a:r>
+          </a:p>
         </p:txBody>
       </p:sp>
     </p:spTree>
@@ -5529,7 +5535,9 @@
         </p:nvSpPr>
         <p:spPr/>
         <p:txBody>
-          <a:bodyPr/>
+          <a:bodyPr>
+            <a:normAutofit lnSpcReduction="10000"/>
+          </a:bodyPr>
           <a:lstStyle/>
           <a:p>
             <a:r>
@@ -5546,7 +5554,7 @@
           <a:p>
             <a:r>
               <a:rPr lang="en-US" dirty="0"/>
-              <a:t>Sessions are stored on the server, however as such they are free from XSS attacks, but protecting from CSRF attacks should be researched. </a:t>
+              <a:t>Sessions are stored on the server, however as such they are free from XSS (cross site scripting) attacks but protecting from CSRF (cross site request forgery) attacks should be researched. </a:t>
             </a:r>
           </a:p>
           <a:p>
